--- a/2021.02.26_OneOnOneUpdates.pptx
+++ b/2021.02.26_OneOnOneUpdates.pptx
@@ -4109,7 +4109,7 @@
           <a:p>
             <a:r>
               <a:rPr lang="en-US" dirty="0"/>
-              <a:t>COVID Projects</a:t>
+              <a:t>COVID Project</a:t>
             </a:r>
           </a:p>
         </p:txBody>
@@ -4509,10 +4509,33 @@
                     <a:p>
                       <a:pPr algn="l" rtl="0" fontAlgn="ctr"/>
                       <a:r>
+                        <a:rPr lang="en-US" sz="1400" u="none" strike="noStrike" dirty="0">
+                          <a:effectLst/>
+                        </a:rPr>
+                        <a:t>12-1</a:t>
+                      </a:r>
+                      <a:endParaRPr lang="en-US" sz="1400" b="1" i="0" u="none" strike="noStrike" dirty="0">
+                        <a:solidFill>
+                          <a:srgbClr val="FFFFFF"/>
+                        </a:solidFill>
+                        <a:effectLst/>
+                        <a:latin typeface="Arial" panose="020B0604020202020204" pitchFamily="34" charset="0"/>
+                      </a:endParaRPr>
+                    </a:p>
+                  </a:txBody>
+                  <a:tcPr marL="9525" marR="9525" marT="9525" marB="0" anchor="ctr"/>
+                </a:tc>
+                <a:tc>
+                  <a:txBody>
+                    <a:bodyPr/>
+                    <a:lstStyle/>
+                    <a:p>
+                      <a:pPr algn="l" rtl="0" fontAlgn="ctr"/>
+                      <a:r>
                         <a:rPr lang="en-US" sz="1400" u="none" strike="noStrike">
                           <a:effectLst/>
                         </a:rPr>
-                        <a:t>12-1</a:t>
+                        <a:t>12-3</a:t>
                       </a:r>
                       <a:endParaRPr lang="en-US" sz="1400" b="1" i="0" u="none" strike="noStrike">
                         <a:solidFill>
@@ -4535,7 +4558,7 @@
                         <a:rPr lang="en-US" sz="1400" u="none" strike="noStrike">
                           <a:effectLst/>
                         </a:rPr>
-                        <a:t>12-3</a:t>
+                        <a:t>ACE2</a:t>
                       </a:r>
                       <a:endParaRPr lang="en-US" sz="1400" b="1" i="0" u="none" strike="noStrike">
                         <a:solidFill>
@@ -4555,12 +4578,12 @@
                     <a:p>
                       <a:pPr algn="l" rtl="0" fontAlgn="ctr"/>
                       <a:r>
-                        <a:rPr lang="en-US" sz="1400" u="none" strike="noStrike">
-                          <a:effectLst/>
-                        </a:rPr>
-                        <a:t>ACE2</a:t>
-                      </a:r>
-                      <a:endParaRPr lang="en-US" sz="1400" b="1" i="0" u="none" strike="noStrike">
+                        <a:rPr lang="en-US" sz="1400" u="none" strike="noStrike" dirty="0">
+                          <a:effectLst/>
+                        </a:rPr>
+                        <a:t>12-1 gg</a:t>
+                      </a:r>
+                      <a:endParaRPr lang="en-US" sz="1400" b="1" i="0" u="none" strike="noStrike" dirty="0">
                         <a:solidFill>
                           <a:srgbClr val="FFFFFF"/>
                         </a:solidFill>
@@ -4578,35 +4601,12 @@
                     <a:p>
                       <a:pPr algn="l" rtl="0" fontAlgn="ctr"/>
                       <a:r>
-                        <a:rPr lang="en-US" sz="1400" u="none" strike="noStrike">
-                          <a:effectLst/>
-                        </a:rPr>
-                        <a:t>12-1 gg</a:t>
-                      </a:r>
-                      <a:endParaRPr lang="en-US" sz="1400" b="1" i="0" u="none" strike="noStrike">
-                        <a:solidFill>
-                          <a:srgbClr val="FFFFFF"/>
-                        </a:solidFill>
-                        <a:effectLst/>
-                        <a:latin typeface="Arial" panose="020B0604020202020204" pitchFamily="34" charset="0"/>
-                      </a:endParaRPr>
-                    </a:p>
-                  </a:txBody>
-                  <a:tcPr marL="9525" marR="9525" marT="9525" marB="0" anchor="ctr"/>
-                </a:tc>
-                <a:tc>
-                  <a:txBody>
-                    <a:bodyPr/>
-                    <a:lstStyle/>
-                    <a:p>
-                      <a:pPr algn="l" rtl="0" fontAlgn="ctr"/>
-                      <a:r>
-                        <a:rPr lang="en-US" sz="1400" u="none" strike="noStrike">
+                        <a:rPr lang="en-US" sz="1400" u="none" strike="noStrike" dirty="0">
                           <a:effectLst/>
                         </a:rPr>
                         <a:t>b38</a:t>
                       </a:r>
-                      <a:endParaRPr lang="en-US" sz="1400" b="1" i="0" u="none" strike="noStrike">
+                      <a:endParaRPr lang="en-US" sz="1400" b="1" i="0" u="none" strike="noStrike" dirty="0">
                         <a:solidFill>
                           <a:srgbClr val="FFFFFF"/>
                         </a:solidFill>
@@ -4654,10 +4654,56 @@
                     <a:p>
                       <a:pPr algn="l" rtl="0" fontAlgn="ctr"/>
                       <a:r>
+                        <a:rPr lang="en-US" sz="1100" u="none" strike="noStrike" dirty="0">
+                          <a:effectLst/>
+                        </a:rPr>
+                        <a:t>100 ns</a:t>
+                      </a:r>
+                      <a:endParaRPr lang="en-US" sz="1100" b="0" i="0" u="none" strike="noStrike" dirty="0">
+                        <a:solidFill>
+                          <a:srgbClr val="000000"/>
+                        </a:solidFill>
+                        <a:effectLst/>
+                        <a:latin typeface="Arial" panose="020B0604020202020204" pitchFamily="34" charset="0"/>
+                      </a:endParaRPr>
+                    </a:p>
+                  </a:txBody>
+                  <a:tcPr marL="9525" marR="9525" marT="9525" marB="0" anchor="ctr"/>
+                </a:tc>
+                <a:tc>
+                  <a:txBody>
+                    <a:bodyPr/>
+                    <a:lstStyle/>
+                    <a:p>
+                      <a:pPr algn="l" rtl="0" fontAlgn="ctr"/>
+                      <a:r>
+                        <a:rPr lang="en-US" sz="1100" u="none" strike="noStrike" dirty="0">
+                          <a:effectLst/>
+                        </a:rPr>
+                        <a:t>100 ns</a:t>
+                      </a:r>
+                      <a:endParaRPr lang="en-US" sz="1100" b="0" i="0" u="none" strike="noStrike" dirty="0">
+                        <a:solidFill>
+                          <a:srgbClr val="000000"/>
+                        </a:solidFill>
+                        <a:effectLst/>
+                        <a:latin typeface="Arial" panose="020B0604020202020204" pitchFamily="34" charset="0"/>
+                      </a:endParaRPr>
+                    </a:p>
+                  </a:txBody>
+                  <a:tcPr marL="9525" marR="9525" marT="9525" marB="0" anchor="ctr"/>
+                </a:tc>
+                <a:tc>
+                  <a:txBody>
+                    <a:bodyPr/>
+                    <a:lstStyle/>
+                    <a:p>
+                      <a:pPr algn="l" rtl="0" fontAlgn="ctr"/>
+                      <a:r>
                         <a:rPr lang="en-US" sz="1100" u="none" strike="noStrike">
                           <a:effectLst/>
                         </a:rPr>
-                        <a:t>100 ns</a:t>
+                        <a:t>24.614 ns</a:t>
                       </a:r>
                       <a:endParaRPr lang="en-US" sz="1100" b="0" i="0" u="none" strike="noStrike">
                         <a:solidFill>
@@ -4677,12 +4723,12 @@
                     <a:p>
                       <a:pPr algn="l" rtl="0" fontAlgn="ctr"/>
                       <a:r>
-                        <a:rPr lang="en-US" sz="1100" u="none" strike="noStrike">
-                          <a:effectLst/>
-                        </a:rPr>
-                        <a:t>100 ns</a:t>
-                      </a:r>
-                      <a:endParaRPr lang="en-US" sz="1100" b="0" i="0" u="none" strike="noStrike">
+                        <a:rPr lang="en-US" sz="1100" u="none" strike="noStrike" dirty="0" err="1">
+                          <a:effectLst/>
+                        </a:rPr>
+                        <a:t>npt_equil</a:t>
+                      </a:r>
+                      <a:endParaRPr lang="en-US" sz="1100" b="0" i="0" u="none" strike="noStrike" dirty="0">
                         <a:solidFill>
                           <a:srgbClr val="000000"/>
                         </a:solidFill>
@@ -4700,58 +4746,12 @@
                     <a:p>
                       <a:pPr algn="l" rtl="0" fontAlgn="ctr"/>
                       <a:r>
-                        <a:rPr lang="en-US" sz="1100" u="none" strike="noStrike">
-                          <a:effectLst/>
-                        </a:rPr>
-                        <a:t>24.614 ns</a:t>
-                      </a:r>
-                      <a:endParaRPr lang="en-US" sz="1100" b="0" i="0" u="none" strike="noStrike">
-                        <a:solidFill>
-                          <a:srgbClr val="000000"/>
-                        </a:solidFill>
-                        <a:effectLst/>
-                        <a:latin typeface="Arial" panose="020B0604020202020204" pitchFamily="34" charset="0"/>
-                      </a:endParaRPr>
-                    </a:p>
-                  </a:txBody>
-                  <a:tcPr marL="9525" marR="9525" marT="9525" marB="0" anchor="ctr"/>
-                </a:tc>
-                <a:tc>
-                  <a:txBody>
-                    <a:bodyPr/>
-                    <a:lstStyle/>
-                    <a:p>
-                      <a:pPr algn="l" rtl="0" fontAlgn="ctr"/>
-                      <a:r>
-                        <a:rPr lang="en-US" sz="1100" u="none" strike="noStrike">
+                        <a:rPr lang="en-US" sz="1100" u="none" strike="noStrike" dirty="0" err="1">
                           <a:effectLst/>
                         </a:rPr>
                         <a:t>npt_equil</a:t>
                       </a:r>
-                      <a:endParaRPr lang="en-US" sz="1100" b="0" i="0" u="none" strike="noStrike">
-                        <a:solidFill>
-                          <a:srgbClr val="000000"/>
-                        </a:solidFill>
-                        <a:effectLst/>
-                        <a:latin typeface="Arial" panose="020B0604020202020204" pitchFamily="34" charset="0"/>
-                      </a:endParaRPr>
-                    </a:p>
-                  </a:txBody>
-                  <a:tcPr marL="9525" marR="9525" marT="9525" marB="0" anchor="ctr"/>
-                </a:tc>
-                <a:tc>
-                  <a:txBody>
-                    <a:bodyPr/>
-                    <a:lstStyle/>
-                    <a:p>
-                      <a:pPr algn="l" rtl="0" fontAlgn="ctr"/>
-                      <a:r>
-                        <a:rPr lang="en-US" sz="1100" u="none" strike="noStrike">
-                          <a:effectLst/>
-                        </a:rPr>
-                        <a:t>npt_equil</a:t>
-                      </a:r>
-                      <a:endParaRPr lang="en-US" sz="1100" b="0" i="0" u="none" strike="noStrike">
+                      <a:endParaRPr lang="en-US" sz="1100" b="0" i="0" u="none" strike="noStrike" dirty="0">
                         <a:solidFill>
                           <a:srgbClr val="000000"/>
                         </a:solidFill>
@@ -4861,7 +4861,7 @@
                     <a:lstStyle/>
                     <a:p>
                       <a:pPr algn="l" rtl="0" fontAlgn="ctr"/>
-                      <a:endParaRPr lang="en-US" sz="1100" b="0" i="0" u="none" strike="noStrike">
+                      <a:endParaRPr lang="en-US" sz="1100" b="0" i="0" u="none" strike="noStrike" dirty="0">
                         <a:solidFill>
                           <a:srgbClr val="000000"/>
                         </a:solidFill>
@@ -4926,12 +4926,12 @@
                     <a:p>
                       <a:pPr algn="l" rtl="0" fontAlgn="ctr"/>
                       <a:r>
-                        <a:rPr lang="en-US" sz="1100" u="none" strike="noStrike">
+                        <a:rPr lang="en-US" sz="1100" u="none" strike="noStrike" dirty="0">
                           <a:effectLst/>
                         </a:rPr>
                         <a:t>98.762 ns</a:t>
                       </a:r>
-                      <a:endParaRPr lang="en-US" sz="1100" b="0" i="0" u="none" strike="noStrike">
+                      <a:endParaRPr lang="en-US" sz="1100" b="0" i="0" u="none" strike="noStrike" dirty="0">
                         <a:solidFill>
                           <a:srgbClr val="000000"/>
                         </a:solidFill>
@@ -4989,12 +4989,12 @@
                     <a:p>
                       <a:pPr algn="l" rtl="0" fontAlgn="ctr"/>
                       <a:r>
-                        <a:rPr lang="en-US" sz="1100" u="none" strike="noStrike">
+                        <a:rPr lang="en-US" sz="1100" u="none" strike="noStrike" dirty="0" err="1">
                           <a:effectLst/>
                         </a:rPr>
                         <a:t>npt_equil</a:t>
                       </a:r>
-                      <a:endParaRPr lang="en-US" sz="1100" b="0" i="0" u="none" strike="noStrike">
+                      <a:endParaRPr lang="en-US" sz="1100" b="0" i="0" u="none" strike="noStrike" dirty="0">
                         <a:solidFill>
                           <a:srgbClr val="000000"/>
                         </a:solidFill>
@@ -5128,12 +5128,12 @@
                     <a:p>
                       <a:pPr algn="l" rtl="0" fontAlgn="ctr"/>
                       <a:r>
-                        <a:rPr lang="en-US" sz="1100" u="none" strike="noStrike">
+                        <a:rPr lang="en-US" sz="1100" u="none" strike="noStrike" dirty="0" err="1">
                           <a:effectLst/>
                         </a:rPr>
                         <a:t>npt_equil</a:t>
                       </a:r>
-                      <a:endParaRPr lang="en-US" sz="1100" b="0" i="0" u="none" strike="noStrike">
+                      <a:endParaRPr lang="en-US" sz="1100" b="0" i="0" u="none" strike="noStrike" dirty="0">
                         <a:solidFill>
                           <a:srgbClr val="000000"/>
                         </a:solidFill>
@@ -5151,12 +5151,12 @@
                     <a:p>
                       <a:pPr algn="l" rtl="0" fontAlgn="ctr"/>
                       <a:r>
-                        <a:rPr lang="en-US" sz="1100" u="none" strike="noStrike">
+                        <a:rPr lang="en-US" sz="1100" u="none" strike="noStrike" dirty="0" err="1">
                           <a:effectLst/>
                         </a:rPr>
                         <a:t>npt_equil</a:t>
                       </a:r>
-                      <a:endParaRPr lang="en-US" sz="1100" b="0" i="0" u="none" strike="noStrike">
+                      <a:endParaRPr lang="en-US" sz="1100" b="0" i="0" u="none" strike="noStrike" dirty="0">
                         <a:solidFill>
                           <a:srgbClr val="000000"/>
                         </a:solidFill>
@@ -5267,12 +5267,12 @@
                     <a:p>
                       <a:pPr algn="l" rtl="0" fontAlgn="ctr"/>
                       <a:r>
-                        <a:rPr lang="en-US" sz="1100" u="none" strike="noStrike">
+                        <a:rPr lang="en-US" sz="1100" u="none" strike="noStrike" dirty="0" err="1">
                           <a:effectLst/>
                         </a:rPr>
                         <a:t>npt_equil</a:t>
                       </a:r>
-                      <a:endParaRPr lang="en-US" sz="1100" b="0" i="0" u="none" strike="noStrike">
+                      <a:endParaRPr lang="en-US" sz="1100" b="0" i="0" u="none" strike="noStrike" dirty="0">
                         <a:solidFill>
                           <a:srgbClr val="000000"/>
                         </a:solidFill>
@@ -5337,12 +5337,12 @@
                     <a:p>
                       <a:pPr algn="l" rtl="0" fontAlgn="ctr"/>
                       <a:r>
-                        <a:rPr lang="en-US" sz="1100" u="none" strike="noStrike">
+                        <a:rPr lang="en-US" sz="1100" u="none" strike="noStrike" dirty="0">
                           <a:effectLst/>
                         </a:rPr>
                         <a:t>46.248 ns</a:t>
                       </a:r>
-                      <a:endParaRPr lang="en-US" sz="1100" b="0" i="0" u="none" strike="noStrike">
+                      <a:endParaRPr lang="en-US" sz="1100" b="0" i="0" u="none" strike="noStrike" dirty="0">
                         <a:solidFill>
                           <a:srgbClr val="000000"/>
                         </a:solidFill>
@@ -5360,12 +5360,12 @@
                     <a:p>
                       <a:pPr algn="l" rtl="0" fontAlgn="ctr"/>
                       <a:r>
-                        <a:rPr lang="en-US" sz="1100" u="none" strike="noStrike">
+                        <a:rPr lang="en-US" sz="1100" u="none" strike="noStrike" dirty="0">
                           <a:effectLst/>
                         </a:rPr>
                         <a:t>44.906 ns</a:t>
                       </a:r>
-                      <a:endParaRPr lang="en-US" sz="1100" b="0" i="0" u="none" strike="noStrike">
+                      <a:endParaRPr lang="en-US" sz="1100" b="0" i="0" u="none" strike="noStrike" dirty="0">
                         <a:solidFill>
                           <a:srgbClr val="000000"/>
                         </a:solidFill>
@@ -5400,12 +5400,12 @@
                     <a:p>
                       <a:pPr algn="l" rtl="0" fontAlgn="ctr"/>
                       <a:r>
-                        <a:rPr lang="en-US" sz="1100" u="none" strike="noStrike">
+                        <a:rPr lang="en-US" sz="1100" u="none" strike="noStrike" dirty="0" err="1">
                           <a:effectLst/>
                         </a:rPr>
                         <a:t>npt_equil</a:t>
                       </a:r>
-                      <a:endParaRPr lang="en-US" sz="1100" b="0" i="0" u="none" strike="noStrike">
+                      <a:endParaRPr lang="en-US" sz="1100" b="0" i="0" u="none" strike="noStrike" dirty="0">
                         <a:solidFill>
                           <a:srgbClr val="000000"/>
                         </a:solidFill>
@@ -5533,12 +5533,12 @@
                     <a:p>
                       <a:pPr algn="l" rtl="0" fontAlgn="ctr"/>
                       <a:r>
-                        <a:rPr lang="en-US" sz="1100" u="none" strike="noStrike">
+                        <a:rPr lang="en-US" sz="1100" u="none" strike="noStrike" dirty="0" err="1">
                           <a:effectLst/>
                         </a:rPr>
                         <a:t>npt_equil</a:t>
                       </a:r>
-                      <a:endParaRPr lang="en-US" sz="1100" b="0" i="0" u="none" strike="noStrike">
+                      <a:endParaRPr lang="en-US" sz="1100" b="0" i="0" u="none" strike="noStrike" dirty="0">
                         <a:solidFill>
                           <a:srgbClr val="000000"/>
                         </a:solidFill>
@@ -5799,12 +5799,12 @@
                     <a:p>
                       <a:pPr algn="l" rtl="0" fontAlgn="ctr"/>
                       <a:r>
-                        <a:rPr lang="en-US" sz="1100" u="none" strike="noStrike">
+                        <a:rPr lang="en-US" sz="1100" u="none" strike="noStrike" dirty="0" err="1">
                           <a:effectLst/>
                         </a:rPr>
                         <a:t>npt_equil</a:t>
                       </a:r>
-                      <a:endParaRPr lang="en-US" sz="1100" b="0" i="0" u="none" strike="noStrike">
+                      <a:endParaRPr lang="en-US" sz="1100" b="0" i="0" u="none" strike="noStrike" dirty="0">
                         <a:solidFill>
                           <a:srgbClr val="000000"/>
                         </a:solidFill>
@@ -5932,12 +5932,12 @@
                     <a:p>
                       <a:pPr algn="l" rtl="0" fontAlgn="ctr"/>
                       <a:r>
-                        <a:rPr lang="en-US" sz="1100" u="none" strike="noStrike">
+                        <a:rPr lang="en-US" sz="1100" u="none" strike="noStrike" dirty="0" err="1">
                           <a:effectLst/>
                         </a:rPr>
                         <a:t>npt_equil</a:t>
                       </a:r>
-                      <a:endParaRPr lang="en-US" sz="1100" b="0" i="0" u="none" strike="noStrike">
+                      <a:endParaRPr lang="en-US" sz="1100" b="0" i="0" u="none" strike="noStrike" dirty="0">
                         <a:solidFill>
                           <a:srgbClr val="000000"/>
                         </a:solidFill>
@@ -6065,12 +6065,12 @@
                     <a:p>
                       <a:pPr algn="l" rtl="0" fontAlgn="ctr"/>
                       <a:r>
-                        <a:rPr lang="en-US" sz="1100" u="none" strike="noStrike">
+                        <a:rPr lang="en-US" sz="1100" u="none" strike="noStrike" dirty="0" err="1">
                           <a:effectLst/>
                         </a:rPr>
                         <a:t>npt_equil</a:t>
                       </a:r>
-                      <a:endParaRPr lang="en-US" sz="1100" b="0" i="0" u="none" strike="noStrike">
+                      <a:endParaRPr lang="en-US" sz="1100" b="0" i="0" u="none" strike="noStrike" dirty="0">
                         <a:solidFill>
                           <a:srgbClr val="000000"/>
                         </a:solidFill>
@@ -6204,12 +6204,12 @@
                     <a:p>
                       <a:pPr algn="l" rtl="0" fontAlgn="ctr"/>
                       <a:r>
-                        <a:rPr lang="en-US" sz="1100" u="none" strike="noStrike">
+                        <a:rPr lang="en-US" sz="1100" u="none" strike="noStrike" dirty="0" err="1">
                           <a:effectLst/>
                         </a:rPr>
                         <a:t>npt_equil</a:t>
                       </a:r>
-                      <a:endParaRPr lang="en-US" sz="1100" b="0" i="0" u="none" strike="noStrike">
+                      <a:endParaRPr lang="en-US" sz="1100" b="0" i="0" u="none" strike="noStrike" dirty="0">
                         <a:solidFill>
                           <a:srgbClr val="000000"/>
                         </a:solidFill>
@@ -6227,12 +6227,12 @@
                     <a:p>
                       <a:pPr algn="l" rtl="0" fontAlgn="ctr"/>
                       <a:r>
-                        <a:rPr lang="en-US" sz="1100" u="none" strike="noStrike">
+                        <a:rPr lang="en-US" sz="1100" u="none" strike="noStrike" dirty="0" err="1">
                           <a:effectLst/>
                         </a:rPr>
                         <a:t>npt_equil</a:t>
                       </a:r>
-                      <a:endParaRPr lang="en-US" sz="1100" b="0" i="0" u="none" strike="noStrike">
+                      <a:endParaRPr lang="en-US" sz="1100" b="0" i="0" u="none" strike="noStrike" dirty="0">
                         <a:solidFill>
                           <a:srgbClr val="000000"/>
                         </a:solidFill>
@@ -6482,12 +6482,12 @@
                     <a:p>
                       <a:pPr algn="l" rtl="0" fontAlgn="ctr"/>
                       <a:r>
-                        <a:rPr lang="en-US" sz="1100" u="none" strike="noStrike">
+                        <a:rPr lang="en-US" sz="1100" u="none" strike="noStrike" dirty="0" err="1">
                           <a:effectLst/>
                         </a:rPr>
                         <a:t>npt_equil</a:t>
                       </a:r>
-                      <a:endParaRPr lang="en-US" sz="1100" b="0" i="0" u="none" strike="noStrike">
+                      <a:endParaRPr lang="en-US" sz="1100" b="0" i="0" u="none" strike="noStrike" dirty="0">
                         <a:solidFill>
                           <a:srgbClr val="000000"/>
                         </a:solidFill>
@@ -6505,12 +6505,12 @@
                     <a:p>
                       <a:pPr algn="l" rtl="0" fontAlgn="ctr"/>
                       <a:r>
-                        <a:rPr lang="en-US" sz="1100" u="none" strike="noStrike">
+                        <a:rPr lang="en-US" sz="1100" u="none" strike="noStrike" dirty="0" err="1">
                           <a:effectLst/>
                         </a:rPr>
                         <a:t>npt_equil</a:t>
                       </a:r>
-                      <a:endParaRPr lang="en-US" sz="1100" b="0" i="0" u="none" strike="noStrike">
+                      <a:endParaRPr lang="en-US" sz="1100" b="0" i="0" u="none" strike="noStrike" dirty="0">
                         <a:solidFill>
                           <a:srgbClr val="000000"/>
                         </a:solidFill>
@@ -6621,12 +6621,12 @@
                     <a:p>
                       <a:pPr algn="l" rtl="0" fontAlgn="ctr"/>
                       <a:r>
-                        <a:rPr lang="en-US" sz="1100" u="none" strike="noStrike">
+                        <a:rPr lang="en-US" sz="1100" u="none" strike="noStrike" dirty="0" err="1">
                           <a:effectLst/>
                         </a:rPr>
                         <a:t>npt_equil</a:t>
                       </a:r>
-                      <a:endParaRPr lang="en-US" sz="1100" b="0" i="0" u="none" strike="noStrike">
+                      <a:endParaRPr lang="en-US" sz="1100" b="0" i="0" u="none" strike="noStrike" dirty="0">
                         <a:solidFill>
                           <a:srgbClr val="000000"/>
                         </a:solidFill>
@@ -7154,7 +7154,7 @@
             </a:pPr>
             <a:r>
               <a:rPr lang="en-US" dirty="0"/>
-              <a:t>NVP – pressure and density vs. time </a:t>
+              <a:t>NVP – pressure vs. time </a:t>
             </a:r>
           </a:p>
           <a:p>
@@ -8040,14 +8040,14 @@
             <p:ph idx="1"/>
             <p:extLst>
               <p:ext uri="{D42A27DB-BD31-4B8C-83A1-F6EECF244321}">
-                <p14:modId xmlns:p14="http://schemas.microsoft.com/office/powerpoint/2010/main" val="1426349897"/>
+                <p14:modId xmlns:p14="http://schemas.microsoft.com/office/powerpoint/2010/main" val="4162172934"/>
               </p:ext>
             </p:extLst>
           </p:nvPr>
         </p:nvGraphicFramePr>
         <p:xfrm>
           <a:off x="2668502" y="1166020"/>
-          <a:ext cx="3740736" cy="4525960"/>
+          <a:ext cx="3740736" cy="4633964"/>
         </p:xfrm>
         <a:graphic>
           <a:graphicData uri="http://schemas.openxmlformats.org/drawingml/2006/table">
@@ -8279,12 +8279,12 @@
                     <a:p>
                       <a:pPr algn="l" rtl="0" fontAlgn="ctr"/>
                       <a:r>
-                        <a:rPr lang="en-US" sz="900" u="none" strike="noStrike">
+                        <a:rPr lang="en-US" sz="900" u="none" strike="noStrike" dirty="0">
                           <a:effectLst/>
                         </a:rPr>
                         <a:t>D420K</a:t>
                       </a:r>
-                      <a:endParaRPr lang="en-US" sz="900" b="0" i="0" u="none" strike="noStrike">
+                      <a:endParaRPr lang="en-US" sz="900" b="0" i="0" u="none" strike="noStrike" dirty="0">
                         <a:solidFill>
                           <a:srgbClr val="000000"/>
                         </a:solidFill>
@@ -8809,12 +8809,12 @@
                     <a:p>
                       <a:pPr algn="l" rtl="0" fontAlgn="ctr"/>
                       <a:r>
-                        <a:rPr lang="en-US" sz="900" u="none" strike="noStrike">
+                        <a:rPr lang="en-US" sz="900" u="none" strike="noStrike" dirty="0">
                           <a:effectLst/>
                         </a:rPr>
                         <a:t>Y421H</a:t>
                       </a:r>
-                      <a:endParaRPr lang="en-US" sz="900" b="0" i="0" u="none" strike="noStrike">
+                      <a:endParaRPr lang="en-US" sz="900" b="0" i="0" u="none" strike="noStrike" dirty="0">
                         <a:solidFill>
                           <a:srgbClr val="000000"/>
                         </a:solidFill>
@@ -8832,12 +8832,12 @@
                     <a:p>
                       <a:pPr algn="l" rtl="0" fontAlgn="ctr"/>
                       <a:r>
-                        <a:rPr lang="en-US" sz="900" u="none" strike="noStrike">
-                          <a:effectLst/>
-                        </a:rPr>
-                        <a:t>both rings oxygen to nitrogen? Charge? </a:t>
-                      </a:r>
-                      <a:endParaRPr lang="en-US" sz="900" b="0" i="0" u="none" strike="noStrike">
+                        <a:rPr lang="en-US" sz="900" u="none" strike="noStrike" dirty="0">
+                          <a:effectLst/>
+                        </a:rPr>
+                        <a:t>both rings oxygen to nitrogen? Charge?  *Can’t make H20+ (electrostatic driving force) </a:t>
+                      </a:r>
+                      <a:endParaRPr lang="en-US" sz="900" b="0" i="0" u="none" strike="noStrike" dirty="0">
                         <a:solidFill>
                           <a:srgbClr val="000000"/>
                         </a:solidFill>
@@ -8862,12 +8862,12 @@
                     <a:p>
                       <a:pPr algn="l" rtl="0" fontAlgn="ctr"/>
                       <a:r>
-                        <a:rPr lang="en-US" sz="900" u="none" strike="noStrike">
+                        <a:rPr lang="en-US" sz="900" u="none" strike="noStrike" dirty="0">
                           <a:effectLst/>
                         </a:rPr>
                         <a:t>Y421N</a:t>
                       </a:r>
-                      <a:endParaRPr lang="en-US" sz="900" b="0" i="0" u="none" strike="noStrike">
+                      <a:endParaRPr lang="en-US" sz="900" b="0" i="0" u="none" strike="noStrike" dirty="0">
                         <a:solidFill>
                           <a:srgbClr val="000000"/>
                         </a:solidFill>
